--- a/DIAG-ML-Workshop.pptx
+++ b/DIAG-ML-Workshop.pptx
@@ -5675,11 +5675,7 @@
             </a:br>
             <a:r>
               <a:rPr lang="en-US" dirty="0" smtClean="0"/>
-              <a:t>Machine </a:t>
-            </a:r>
-            <a:r>
-              <a:rPr lang="en-US" dirty="0" smtClean="0"/>
-              <a:t>Learning:</a:t>
+              <a:t>Machine Learning:</a:t>
             </a:r>
             <a:br>
               <a:rPr lang="en-US" dirty="0" smtClean="0"/>
@@ -5797,11 +5793,7 @@
             </a:r>
             <a:r>
               <a:rPr lang="en-US" dirty="0" smtClean="0"/>
-              <a:t> ‘Titanic Challenge</a:t>
-            </a:r>
-            <a:r>
-              <a:rPr lang="en-US" dirty="0" smtClean="0"/>
-              <a:t>’</a:t>
+              <a:t> ‘Titanic Challenge’</a:t>
             </a:r>
           </a:p>
           <a:p>
@@ -5820,7 +5812,6 @@
               <a:rPr lang="en-US" dirty="0" smtClean="0"/>
               <a:t> </a:t>
             </a:r>
-            <a:endParaRPr lang="en-US" dirty="0" smtClean="0"/>
           </a:p>
           <a:p>
             <a:r>
@@ -7073,11 +7064,7 @@
             <a:pPr algn="ctr"/>
             <a:r>
               <a:rPr lang="en-US" dirty="0" smtClean="0"/>
-              <a:t>Model </a:t>
-            </a:r>
-            <a:r>
-              <a:rPr lang="en-US" dirty="0" smtClean="0"/>
-              <a:t>Performance</a:t>
+              <a:t>Model Performance</a:t>
             </a:r>
             <a:endParaRPr lang="en-US" dirty="0"/>
           </a:p>
